--- a/非受控文档/2翻转PPT/PRD2018-G10-UML基础3.pptx
+++ b/非受控文档/2翻转PPT/PRD2018-G10-UML基础3.pptx
@@ -280,7 +280,7 @@
           <a:p>
             <a:fld id="{024B0742-4119-401E-A6E7-12A1170D9A1A}" type="datetimeFigureOut">
               <a:rPr lang="zh-CN" altLang="en-US" smtClean="0"/>
-              <a:t>2018/12/9</a:t>
+              <a:t>2018/12/24</a:t>
             </a:fld>
             <a:endParaRPr lang="zh-CN" altLang="en-US"/>
           </a:p>
@@ -4062,7 +4062,7 @@
               <a:pPr>
                 <a:defRPr/>
               </a:pPr>
-              <a:t>2018/12/9</a:t>
+              <a:t>2018/12/24</a:t>
             </a:fld>
             <a:endParaRPr lang="zh-CN" altLang="en-US"/>
           </a:p>
@@ -4252,7 +4252,7 @@
               <a:pPr>
                 <a:defRPr/>
               </a:pPr>
-              <a:t>2018/12/9</a:t>
+              <a:t>2018/12/24</a:t>
             </a:fld>
             <a:endParaRPr lang="zh-CN" altLang="en-US"/>
           </a:p>
@@ -4452,7 +4452,7 @@
               <a:pPr>
                 <a:defRPr/>
               </a:pPr>
-              <a:t>2018/12/9</a:t>
+              <a:t>2018/12/24</a:t>
             </a:fld>
             <a:endParaRPr lang="zh-CN" altLang="en-US"/>
           </a:p>
@@ -4642,7 +4642,7 @@
               <a:pPr>
                 <a:defRPr/>
               </a:pPr>
-              <a:t>2018/12/9</a:t>
+              <a:t>2018/12/24</a:t>
             </a:fld>
             <a:endParaRPr lang="zh-CN" altLang="en-US"/>
           </a:p>
@@ -4909,7 +4909,7 @@
               <a:pPr>
                 <a:defRPr/>
               </a:pPr>
-              <a:t>2018/12/9</a:t>
+              <a:t>2018/12/24</a:t>
             </a:fld>
             <a:endParaRPr lang="zh-CN" altLang="en-US"/>
           </a:p>
@@ -5160,7 +5160,7 @@
               <a:pPr>
                 <a:defRPr/>
               </a:pPr>
-              <a:t>2018/12/9</a:t>
+              <a:t>2018/12/24</a:t>
             </a:fld>
             <a:endParaRPr lang="zh-CN" altLang="en-US"/>
           </a:p>
@@ -5546,7 +5546,7 @@
               <a:pPr>
                 <a:defRPr/>
               </a:pPr>
-              <a:t>2018/12/9</a:t>
+              <a:t>2018/12/24</a:t>
             </a:fld>
             <a:endParaRPr lang="zh-CN" altLang="en-US"/>
           </a:p>
@@ -5685,7 +5685,7 @@
               <a:pPr>
                 <a:defRPr/>
               </a:pPr>
-              <a:t>2018/12/9</a:t>
+              <a:t>2018/12/24</a:t>
             </a:fld>
             <a:endParaRPr lang="zh-CN" altLang="en-US"/>
           </a:p>
@@ -5802,7 +5802,7 @@
               <a:pPr>
                 <a:defRPr/>
               </a:pPr>
-              <a:t>2018/12/9</a:t>
+              <a:t>2018/12/24</a:t>
             </a:fld>
             <a:endParaRPr lang="zh-CN" altLang="en-US"/>
           </a:p>
@@ -6099,7 +6099,7 @@
               <a:pPr>
                 <a:defRPr/>
               </a:pPr>
-              <a:t>2018/12/9</a:t>
+              <a:t>2018/12/24</a:t>
             </a:fld>
             <a:endParaRPr lang="zh-CN" altLang="en-US"/>
           </a:p>
@@ -6376,7 +6376,7 @@
               <a:pPr>
                 <a:defRPr/>
               </a:pPr>
-              <a:t>2018/12/9</a:t>
+              <a:t>2018/12/24</a:t>
             </a:fld>
             <a:endParaRPr lang="zh-CN" altLang="en-US"/>
           </a:p>
@@ -6636,7 +6636,7 @@
               <a:pPr>
                 <a:defRPr/>
               </a:pPr>
-              <a:t>2018/12/9</a:t>
+              <a:t>2018/12/24</a:t>
             </a:fld>
             <a:endParaRPr lang="zh-CN" altLang="en-US"/>
           </a:p>
@@ -11641,7 +11641,7 @@
         <p:spPr>
           <a:xfrm>
             <a:off x="333017" y="2265032"/>
-            <a:ext cx="7022288" cy="1249188"/>
+            <a:ext cx="7022288" cy="2270750"/>
           </a:xfrm>
           <a:prstGeom prst="rect">
             <a:avLst/>
@@ -11660,7 +11660,7 @@
               </a:lnSpc>
             </a:pPr>
             <a:r>
-              <a:rPr lang="zh-CN" altLang="en-US" sz="1600" dirty="0">
+              <a:rPr lang="zh-CN" altLang="en-US" sz="2400" dirty="0">
                 <a:solidFill>
                   <a:schemeClr val="bg1"/>
                 </a:solidFill>
@@ -11671,7 +11671,7 @@
               <a:t>       接口是一组用于描述类或组件的一个服务的</a:t>
             </a:r>
             <a:r>
-              <a:rPr lang="zh-CN" altLang="en-US" sz="1600" dirty="0">
+              <a:rPr lang="zh-CN" altLang="en-US" sz="2400" dirty="0">
                 <a:solidFill>
                   <a:srgbClr val="FF0000"/>
                 </a:solidFill>
@@ -11682,7 +11682,7 @@
               <a:t>操作</a:t>
             </a:r>
             <a:r>
-              <a:rPr lang="zh-CN" altLang="en-US" sz="1600" dirty="0">
+              <a:rPr lang="zh-CN" altLang="en-US" sz="2400" dirty="0">
                 <a:solidFill>
                   <a:schemeClr val="bg1"/>
                 </a:solidFill>
@@ -11693,7 +11693,7 @@
               <a:t>，它是一个被命名的操作的集合，与类不同，它不描述任何结构，也不描述任何实现。每个接口都有一个</a:t>
             </a:r>
             <a:r>
-              <a:rPr lang="zh-CN" altLang="en-US" sz="1600" dirty="0">
+              <a:rPr lang="zh-CN" altLang="en-US" sz="2400" dirty="0">
                 <a:solidFill>
                   <a:srgbClr val="FF0000"/>
                 </a:solidFill>
@@ -11704,7 +11704,7 @@
               <a:t>唯一</a:t>
             </a:r>
             <a:r>
-              <a:rPr lang="zh-CN" altLang="en-US" sz="1600" dirty="0">
+              <a:rPr lang="zh-CN" altLang="en-US" sz="2400" dirty="0">
                 <a:solidFill>
                   <a:schemeClr val="bg1"/>
                 </a:solidFill>
@@ -11722,7 +11722,7 @@
               </a:lnSpc>
             </a:pPr>
             <a:r>
-              <a:rPr lang="en-US" altLang="zh-CN" sz="1600" dirty="0">
+              <a:rPr lang="en-US" altLang="zh-CN" sz="2400" dirty="0">
                 <a:solidFill>
                   <a:schemeClr val="bg1"/>
                 </a:solidFill>
@@ -11732,7 +11732,7 @@
               </a:rPr>
               <a:t>       </a:t>
             </a:r>
-            <a:endParaRPr lang="zh-CN" altLang="en-US" sz="1600" dirty="0">
+            <a:endParaRPr lang="zh-CN" altLang="en-US" sz="2400" dirty="0">
               <a:solidFill>
                 <a:schemeClr val="bg1"/>
               </a:solidFill>
@@ -12366,7 +12366,7 @@
         <p:spPr>
           <a:xfrm>
             <a:off x="604387" y="2807964"/>
-            <a:ext cx="6096000" cy="1726178"/>
+            <a:ext cx="6096000" cy="2713948"/>
           </a:xfrm>
           <a:prstGeom prst="rect">
             <a:avLst/>
@@ -12384,7 +12384,7 @@
               </a:lnSpc>
             </a:pPr>
             <a:r>
-              <a:rPr lang="zh-CN" altLang="en-US" dirty="0">
+              <a:rPr lang="zh-CN" altLang="en-US" sz="2400" dirty="0">
                 <a:solidFill>
                   <a:schemeClr val="bg1"/>
                 </a:solidFill>
@@ -12394,7 +12394,7 @@
               </a:rPr>
               <a:t>接口可以分为以下两种类型：</a:t>
             </a:r>
-            <a:endParaRPr lang="en-US" altLang="zh-CN" dirty="0">
+            <a:endParaRPr lang="en-US" altLang="zh-CN" sz="2400" dirty="0">
               <a:solidFill>
                 <a:schemeClr val="bg1"/>
               </a:solidFill>
@@ -12410,7 +12410,7 @@
               </a:lnSpc>
             </a:pPr>
             <a:r>
-              <a:rPr lang="en-US" altLang="zh-CN" dirty="0">
+              <a:rPr lang="en-US" altLang="zh-CN" sz="2400" dirty="0">
                 <a:solidFill>
                   <a:schemeClr val="bg1"/>
                 </a:solidFill>
@@ -12421,7 +12421,7 @@
               <a:t>1.</a:t>
             </a:r>
             <a:r>
-              <a:rPr lang="zh-CN" altLang="en-US" dirty="0">
+              <a:rPr lang="zh-CN" altLang="en-US" sz="2400" dirty="0">
                 <a:solidFill>
                   <a:srgbClr val="FF0000"/>
                 </a:solidFill>
@@ -12432,7 +12432,7 @@
               <a:t>导出接口</a:t>
             </a:r>
             <a:r>
-              <a:rPr lang="zh-CN" altLang="en-US" dirty="0">
+              <a:rPr lang="zh-CN" altLang="en-US" sz="2400" dirty="0">
                 <a:solidFill>
                   <a:schemeClr val="bg1"/>
                 </a:solidFill>
@@ -12442,7 +12442,7 @@
               </a:rPr>
               <a:t>：即为其他组件提供服务的接口，一个组件可以有多个导出接口。</a:t>
             </a:r>
-            <a:endParaRPr lang="en-US" altLang="zh-CN" dirty="0">
+            <a:endParaRPr lang="en-US" altLang="zh-CN" sz="2400" dirty="0">
               <a:solidFill>
                 <a:schemeClr val="bg1"/>
               </a:solidFill>
@@ -12458,7 +12458,7 @@
               </a:lnSpc>
             </a:pPr>
             <a:r>
-              <a:rPr lang="en-US" altLang="zh-CN" dirty="0">
+              <a:rPr lang="en-US" altLang="zh-CN" sz="2400" dirty="0">
                 <a:solidFill>
                   <a:schemeClr val="bg1"/>
                 </a:solidFill>
@@ -12469,7 +12469,7 @@
               <a:t>2.</a:t>
             </a:r>
             <a:r>
-              <a:rPr lang="zh-CN" altLang="en-US" dirty="0">
+              <a:rPr lang="zh-CN" altLang="en-US" sz="2400" dirty="0">
                 <a:solidFill>
                   <a:srgbClr val="FF0000"/>
                 </a:solidFill>
@@ -12480,7 +12480,7 @@
               <a:t>导入接口</a:t>
             </a:r>
             <a:r>
-              <a:rPr lang="zh-CN" altLang="en-US" dirty="0">
+              <a:rPr lang="zh-CN" altLang="en-US" sz="2400" dirty="0">
                 <a:solidFill>
                   <a:schemeClr val="bg1"/>
                 </a:solidFill>
@@ -12958,7 +12958,7 @@
         <p:spPr>
           <a:xfrm>
             <a:off x="333017" y="2265032"/>
-            <a:ext cx="7022288" cy="1840119"/>
+            <a:ext cx="7022288" cy="3600345"/>
           </a:xfrm>
           <a:prstGeom prst="rect">
             <a:avLst/>
@@ -12977,7 +12977,7 @@
               </a:lnSpc>
             </a:pPr>
             <a:r>
-              <a:rPr lang="zh-CN" altLang="en-US" sz="1600" dirty="0">
+              <a:rPr lang="zh-CN" altLang="en-US" sz="2400" dirty="0">
                 <a:solidFill>
                   <a:schemeClr val="bg1"/>
                 </a:solidFill>
@@ -12985,10 +12985,32 @@
                 <a:ea typeface="方正兰亭黑简体" pitchFamily="2" charset="-122"/>
                 <a:sym typeface="+mn-ea"/>
               </a:rPr>
-              <a:t>       关系是失误之间的联系，在面向对象的建模中，最重要的关系是依赖、泛化、关联和实现，构件图中使用最多的是</a:t>
+              <a:t>       </a:t>
             </a:r>
             <a:r>
-              <a:rPr lang="zh-CN" altLang="en-US" sz="1600" dirty="0">
+              <a:rPr lang="zh-CN" altLang="en-US" sz="2400">
+                <a:solidFill>
+                  <a:schemeClr val="bg1"/>
+                </a:solidFill>
+                <a:latin typeface="方正兰亭黑简体" pitchFamily="2" charset="-122"/>
+                <a:ea typeface="方正兰亭黑简体" pitchFamily="2" charset="-122"/>
+                <a:sym typeface="+mn-ea"/>
+              </a:rPr>
+              <a:t>关系是事物之间</a:t>
+            </a:r>
+            <a:r>
+              <a:rPr lang="zh-CN" altLang="en-US" sz="2400" dirty="0">
+                <a:solidFill>
+                  <a:schemeClr val="bg1"/>
+                </a:solidFill>
+                <a:latin typeface="方正兰亭黑简体" pitchFamily="2" charset="-122"/>
+                <a:ea typeface="方正兰亭黑简体" pitchFamily="2" charset="-122"/>
+                <a:sym typeface="+mn-ea"/>
+              </a:rPr>
+              <a:t>的联系，在面向对象的建模中，最重要的关系是依赖、泛化、关联和实现，构件图中使用最多的是</a:t>
+            </a:r>
+            <a:r>
+              <a:rPr lang="zh-CN" altLang="en-US" sz="2400" dirty="0">
                 <a:solidFill>
                   <a:srgbClr val="FF0000"/>
                 </a:solidFill>
@@ -12999,7 +13021,7 @@
               <a:t>依赖和实现关系</a:t>
             </a:r>
             <a:r>
-              <a:rPr lang="zh-CN" altLang="en-US" sz="1600" dirty="0">
+              <a:rPr lang="zh-CN" altLang="en-US" sz="2400" dirty="0">
                 <a:solidFill>
                   <a:schemeClr val="bg1"/>
                 </a:solidFill>
@@ -13009,7 +13031,7 @@
               </a:rPr>
               <a:t>。</a:t>
             </a:r>
-            <a:endParaRPr lang="en-US" altLang="zh-CN" sz="1600" dirty="0">
+            <a:endParaRPr lang="en-US" altLang="zh-CN" sz="2400" dirty="0">
               <a:solidFill>
                 <a:schemeClr val="bg1"/>
               </a:solidFill>
@@ -13025,7 +13047,7 @@
               </a:lnSpc>
             </a:pPr>
             <a:r>
-              <a:rPr lang="en-US" altLang="zh-CN" sz="1600" dirty="0">
+              <a:rPr lang="en-US" altLang="zh-CN" sz="2400" dirty="0">
                 <a:solidFill>
                   <a:schemeClr val="bg1"/>
                 </a:solidFill>
@@ -13036,7 +13058,7 @@
               <a:t>       </a:t>
             </a:r>
             <a:r>
-              <a:rPr lang="zh-CN" altLang="en-US" sz="1600" dirty="0">
+              <a:rPr lang="zh-CN" altLang="en-US" sz="2400" dirty="0">
                 <a:solidFill>
                   <a:schemeClr val="bg1"/>
                 </a:solidFill>
@@ -13046,7 +13068,7 @@
               </a:rPr>
               <a:t>依赖关系是指组件依赖外部提供的服务。构件图中的依赖关系使用虚线箭头表示。</a:t>
             </a:r>
-            <a:endParaRPr lang="en-US" altLang="zh-CN" sz="1600" dirty="0">
+            <a:endParaRPr lang="en-US" altLang="zh-CN" sz="2400" dirty="0">
               <a:solidFill>
                 <a:schemeClr val="bg1"/>
               </a:solidFill>
@@ -13062,7 +13084,7 @@
               </a:lnSpc>
             </a:pPr>
             <a:r>
-              <a:rPr lang="en-US" altLang="zh-CN" sz="1600" dirty="0">
+              <a:rPr lang="en-US" altLang="zh-CN" sz="2400" dirty="0">
                 <a:solidFill>
                   <a:schemeClr val="bg1"/>
                 </a:solidFill>
@@ -13073,7 +13095,7 @@
               <a:t>       </a:t>
             </a:r>
             <a:r>
-              <a:rPr lang="zh-CN" altLang="en-US" sz="1600" dirty="0">
+              <a:rPr lang="zh-CN" altLang="en-US" sz="2400" dirty="0">
                 <a:solidFill>
                   <a:schemeClr val="bg1"/>
                 </a:solidFill>
@@ -13084,7 +13106,7 @@
               <a:t>实现关系是指组件向外提供的服务。实现关系使用实线表示，多用于组件和接口之间，即</a:t>
             </a:r>
             <a:r>
-              <a:rPr lang="zh-CN" altLang="en-US" sz="1600" dirty="0">
+              <a:rPr lang="zh-CN" altLang="en-US" sz="2400" dirty="0">
                 <a:solidFill>
                   <a:srgbClr val="FF0000"/>
                 </a:solidFill>
@@ -13095,7 +13117,7 @@
               <a:t>组件可以实现接口</a:t>
             </a:r>
             <a:r>
-              <a:rPr lang="zh-CN" altLang="en-US" sz="1600" dirty="0">
+              <a:rPr lang="zh-CN" altLang="en-US" sz="2400" dirty="0">
                 <a:solidFill>
                   <a:schemeClr val="bg1"/>
                 </a:solidFill>
@@ -13680,7 +13702,7 @@
         <p:spPr>
           <a:xfrm>
             <a:off x="409831" y="2316853"/>
-            <a:ext cx="6365372" cy="1323054"/>
+            <a:ext cx="6365372" cy="2270750"/>
           </a:xfrm>
           <a:prstGeom prst="rect">
             <a:avLst/>
@@ -13699,7 +13721,7 @@
               </a:lnSpc>
             </a:pPr>
             <a:r>
-              <a:rPr lang="zh-CN" altLang="en-US" sz="2000" dirty="0">
+              <a:rPr lang="zh-CN" altLang="en-US" sz="2400" dirty="0">
                 <a:solidFill>
                   <a:schemeClr val="bg1"/>
                 </a:solidFill>
@@ -13710,7 +13732,7 @@
               <a:t>       </a:t>
             </a:r>
             <a:r>
-              <a:rPr lang="en-US" altLang="zh-CN" sz="2000" dirty="0">
+              <a:rPr lang="en-US" altLang="zh-CN" sz="2400" dirty="0">
                 <a:solidFill>
                   <a:schemeClr val="bg1"/>
                 </a:solidFill>
@@ -13721,7 +13743,7 @@
               <a:t>1.</a:t>
             </a:r>
             <a:r>
-              <a:rPr lang="zh-CN" altLang="en-US" sz="2000" dirty="0">
+              <a:rPr lang="zh-CN" altLang="en-US" sz="2400" dirty="0">
                 <a:solidFill>
                   <a:schemeClr val="bg1"/>
                 </a:solidFill>
@@ -13731,7 +13753,7 @@
               </a:rPr>
               <a:t>对源代码建模</a:t>
             </a:r>
-            <a:endParaRPr lang="en-US" altLang="zh-CN" sz="2000" dirty="0">
+            <a:endParaRPr lang="en-US" altLang="zh-CN" sz="2400" dirty="0">
               <a:solidFill>
                 <a:schemeClr val="bg1"/>
               </a:solidFill>
@@ -13747,7 +13769,7 @@
               </a:lnSpc>
             </a:pPr>
             <a:r>
-              <a:rPr lang="zh-CN" altLang="en-US" sz="1600" dirty="0">
+              <a:rPr lang="zh-CN" altLang="en-US" sz="2400" dirty="0">
                 <a:solidFill>
                   <a:schemeClr val="bg1"/>
                 </a:solidFill>
@@ -14368,7 +14390,7 @@
         <p:spPr>
           <a:xfrm>
             <a:off x="409831" y="2316853"/>
-            <a:ext cx="6365372" cy="1169038"/>
+            <a:ext cx="6365372" cy="1384353"/>
           </a:xfrm>
           <a:prstGeom prst="rect">
             <a:avLst/>
@@ -14387,7 +14409,7 @@
               </a:lnSpc>
             </a:pPr>
             <a:r>
-              <a:rPr lang="zh-CN" altLang="en-US" sz="2000" dirty="0">
+              <a:rPr lang="zh-CN" altLang="en-US" sz="2400" dirty="0">
                 <a:solidFill>
                   <a:schemeClr val="bg1"/>
                 </a:solidFill>
@@ -14398,7 +14420,7 @@
               <a:t>       </a:t>
             </a:r>
             <a:r>
-              <a:rPr lang="en-US" altLang="zh-CN" sz="2000" dirty="0">
+              <a:rPr lang="en-US" altLang="zh-CN" sz="2400" dirty="0">
                 <a:solidFill>
                   <a:schemeClr val="bg1"/>
                 </a:solidFill>
@@ -14409,7 +14431,7 @@
               <a:t>2.</a:t>
             </a:r>
             <a:r>
-              <a:rPr lang="zh-CN" altLang="en-US" sz="2000" dirty="0">
+              <a:rPr lang="zh-CN" altLang="en-US" sz="2400" dirty="0">
                 <a:solidFill>
                   <a:schemeClr val="bg1"/>
                 </a:solidFill>
@@ -14419,7 +14441,7 @@
               </a:rPr>
               <a:t>对可执行体的发布建模</a:t>
             </a:r>
-            <a:endParaRPr lang="en-US" altLang="zh-CN" sz="2000" dirty="0">
+            <a:endParaRPr lang="en-US" altLang="zh-CN" sz="2400" dirty="0">
               <a:solidFill>
                 <a:schemeClr val="bg1"/>
               </a:solidFill>
@@ -14435,7 +14457,7 @@
               </a:lnSpc>
             </a:pPr>
             <a:r>
-              <a:rPr lang="zh-CN" altLang="en-US" sz="2000" dirty="0">
+              <a:rPr lang="zh-CN" altLang="en-US" sz="2400" dirty="0">
                 <a:solidFill>
                   <a:schemeClr val="bg1"/>
                 </a:solidFill>
@@ -14445,7 +14467,7 @@
               </a:rPr>
               <a:t>对构成软件的物理部分所做的决策进行可视化、详述和文档化。</a:t>
             </a:r>
-            <a:endParaRPr lang="en-US" altLang="zh-CN" sz="2000" dirty="0">
+            <a:endParaRPr lang="en-US" altLang="zh-CN" sz="2400" dirty="0">
               <a:solidFill>
                 <a:schemeClr val="bg1"/>
               </a:solidFill>
@@ -16474,7 +16496,7 @@
         <p:spPr>
           <a:xfrm>
             <a:off x="409831" y="2316853"/>
-            <a:ext cx="6365372" cy="1538370"/>
+            <a:ext cx="6365372" cy="2270750"/>
           </a:xfrm>
           <a:prstGeom prst="rect">
             <a:avLst/>
@@ -16493,7 +16515,7 @@
               </a:lnSpc>
             </a:pPr>
             <a:r>
-              <a:rPr lang="zh-CN" altLang="en-US" sz="2000" dirty="0">
+              <a:rPr lang="zh-CN" altLang="en-US" sz="2400" dirty="0">
                 <a:solidFill>
                   <a:schemeClr val="bg1"/>
                 </a:solidFill>
@@ -16504,7 +16526,7 @@
               <a:t>       </a:t>
             </a:r>
             <a:r>
-              <a:rPr lang="en-US" altLang="zh-CN" sz="2000" dirty="0">
+              <a:rPr lang="en-US" altLang="zh-CN" sz="2400" dirty="0">
                 <a:solidFill>
                   <a:schemeClr val="bg1"/>
                 </a:solidFill>
@@ -16515,7 +16537,7 @@
               <a:t>3.</a:t>
             </a:r>
             <a:r>
-              <a:rPr lang="zh-CN" altLang="en-US" sz="2000" dirty="0">
+              <a:rPr lang="zh-CN" altLang="en-US" sz="2400" dirty="0">
                 <a:solidFill>
                   <a:schemeClr val="bg1"/>
                 </a:solidFill>
@@ -16525,7 +16547,7 @@
               </a:rPr>
               <a:t>对物理数据库建模</a:t>
             </a:r>
-            <a:endParaRPr lang="en-US" altLang="zh-CN" sz="2000" dirty="0">
+            <a:endParaRPr lang="en-US" altLang="zh-CN" sz="2400" dirty="0">
               <a:solidFill>
                 <a:schemeClr val="bg1"/>
               </a:solidFill>
@@ -16541,7 +16563,7 @@
               </a:lnSpc>
             </a:pPr>
             <a:r>
-              <a:rPr lang="zh-CN" altLang="en-US" sz="2000" dirty="0">
+              <a:rPr lang="zh-CN" altLang="en-US" sz="2400" dirty="0">
                 <a:solidFill>
                   <a:schemeClr val="bg1"/>
                 </a:solidFill>
@@ -16551,7 +16573,7 @@
               </a:rPr>
               <a:t>可以把物理数据可看做模式在比特世界中的具体实现，物理数据库模型表示了这些信息在关系型数据库的表中或者在面向对象数据库的页中的存储。</a:t>
             </a:r>
-            <a:endParaRPr lang="en-US" altLang="zh-CN" sz="2000" dirty="0">
+            <a:endParaRPr lang="en-US" altLang="zh-CN" sz="2400" dirty="0">
               <a:solidFill>
                 <a:schemeClr val="bg1"/>
               </a:solidFill>
@@ -17174,8 +17196,8 @@
         </p:nvSpPr>
         <p:spPr>
           <a:xfrm>
-            <a:off x="521369" y="2807964"/>
-            <a:ext cx="6096000" cy="2058128"/>
+            <a:off x="481264" y="2350764"/>
+            <a:ext cx="6096000" cy="3156505"/>
           </a:xfrm>
           <a:prstGeom prst="rect">
             <a:avLst/>
@@ -17193,7 +17215,7 @@
               </a:lnSpc>
             </a:pPr>
             <a:r>
-              <a:rPr lang="en-US" altLang="zh-CN" dirty="0">
+              <a:rPr lang="en-US" altLang="zh-CN" sz="2400" dirty="0">
                 <a:solidFill>
                   <a:schemeClr val="bg1"/>
                 </a:solidFill>
@@ -17204,7 +17226,7 @@
               <a:t> 4.</a:t>
             </a:r>
             <a:r>
-              <a:rPr lang="zh-CN" altLang="en-US" dirty="0">
+              <a:rPr lang="zh-CN" altLang="en-US" sz="2400" dirty="0">
                 <a:solidFill>
                   <a:schemeClr val="bg1"/>
                 </a:solidFill>
@@ -17214,7 +17236,7 @@
               </a:rPr>
               <a:t>对可适应得系统建模</a:t>
             </a:r>
-            <a:endParaRPr lang="en-US" altLang="zh-CN" dirty="0">
+            <a:endParaRPr lang="en-US" altLang="zh-CN" sz="2400" dirty="0">
               <a:solidFill>
                 <a:schemeClr val="bg1"/>
               </a:solidFill>
@@ -17230,7 +17252,7 @@
               </a:lnSpc>
             </a:pPr>
             <a:r>
-              <a:rPr lang="zh-CN" altLang="en-US" dirty="0">
+              <a:rPr lang="zh-CN" altLang="en-US" sz="2400" dirty="0">
                 <a:solidFill>
                   <a:schemeClr val="bg1"/>
                 </a:solidFill>
@@ -17241,7 +17263,7 @@
               <a:t>某些系统是相对静态的，其组件进入现场、参与执行、然后离开。另外一些系统则是较为动态的，其中，包括一些为了负载均衡和故障恢复而进行迁移的可移动的代理或组件，可以将构件图与对行为建模的</a:t>
             </a:r>
             <a:r>
-              <a:rPr lang="en-US" altLang="zh-CN" dirty="0">
+              <a:rPr lang="en-US" altLang="zh-CN" sz="2400" dirty="0">
                 <a:solidFill>
                   <a:schemeClr val="bg1"/>
                 </a:solidFill>
@@ -17252,7 +17274,7 @@
               <a:t>UML</a:t>
             </a:r>
             <a:r>
-              <a:rPr lang="zh-CN" altLang="en-US" dirty="0">
+              <a:rPr lang="zh-CN" altLang="en-US" sz="2400" dirty="0">
                 <a:solidFill>
                   <a:schemeClr val="bg1"/>
                 </a:solidFill>
@@ -17262,7 +17284,7 @@
               </a:rPr>
               <a:t>的一些图结合起来表示这类系统。</a:t>
             </a:r>
-            <a:endParaRPr lang="zh-CN" altLang="en-US" dirty="0"/>
+            <a:endParaRPr lang="zh-CN" altLang="en-US" sz="2400" dirty="0"/>
           </a:p>
         </p:txBody>
       </p:sp>
@@ -18257,7 +18279,7 @@
         <p:spPr>
           <a:xfrm>
             <a:off x="292102" y="2769880"/>
-            <a:ext cx="6365372" cy="1907702"/>
+            <a:ext cx="6365372" cy="2713948"/>
           </a:xfrm>
           <a:prstGeom prst="rect">
             <a:avLst/>
@@ -18276,7 +18298,7 @@
               </a:lnSpc>
             </a:pPr>
             <a:r>
-              <a:rPr lang="zh-CN" altLang="en-US" sz="2000" dirty="0">
+              <a:rPr lang="zh-CN" altLang="en-US" sz="2400" dirty="0">
                 <a:solidFill>
                   <a:schemeClr val="bg1"/>
                 </a:solidFill>
@@ -18287,7 +18309,7 @@
               <a:t>       包是一种把元素组织到一起的通用机制，包可以嵌套于其他包中。包图用于描述包与包之间的关系，包的图标是一个带标签的文件夹。包图描绘模型元素在包内的组织和依赖关系，包括</a:t>
             </a:r>
             <a:r>
-              <a:rPr lang="zh-CN" altLang="en-US" sz="2000" dirty="0">
+              <a:rPr lang="zh-CN" altLang="en-US" sz="2400" dirty="0">
                 <a:solidFill>
                   <a:srgbClr val="FF0000"/>
                 </a:solidFill>
@@ -18298,7 +18320,7 @@
               <a:t>包</a:t>
             </a:r>
             <a:r>
-              <a:rPr lang="zh-CN" altLang="en-US" sz="2000" dirty="0">
+              <a:rPr lang="zh-CN" altLang="en-US" sz="2400" dirty="0">
                 <a:solidFill>
                   <a:schemeClr val="bg1"/>
                 </a:solidFill>
@@ -18308,7 +18330,7 @@
               </a:rPr>
               <a:t>的导入和包扩展。它们还提供相应命名空间的可视化。</a:t>
             </a:r>
-            <a:endParaRPr lang="zh-CN" altLang="en-US" sz="1600" dirty="0">
+            <a:endParaRPr lang="zh-CN" altLang="en-US" sz="2400" dirty="0">
               <a:solidFill>
                 <a:schemeClr val="bg1"/>
               </a:solidFill>
@@ -19021,8 +19043,8 @@
         </p:nvSpPr>
         <p:spPr>
           <a:xfrm>
-            <a:off x="292102" y="2769880"/>
-            <a:ext cx="6365372" cy="1987852"/>
+            <a:off x="332207" y="2256533"/>
+            <a:ext cx="6365372" cy="3157146"/>
           </a:xfrm>
           <a:prstGeom prst="rect">
             <a:avLst/>
@@ -19041,7 +19063,7 @@
               </a:lnSpc>
             </a:pPr>
             <a:r>
-              <a:rPr lang="zh-CN" altLang="en-US" sz="2000" dirty="0">
+              <a:rPr lang="zh-CN" altLang="en-US" sz="2400" dirty="0">
                 <a:solidFill>
                   <a:schemeClr val="bg1"/>
                 </a:solidFill>
@@ -19052,7 +19074,7 @@
               <a:t>       包之间的关系可以分为</a:t>
             </a:r>
             <a:r>
-              <a:rPr lang="en-US" altLang="zh-CN" sz="2000" dirty="0">
+              <a:rPr lang="en-US" altLang="zh-CN" sz="2400" dirty="0">
                 <a:solidFill>
                   <a:schemeClr val="bg1"/>
                 </a:solidFill>
@@ -19063,7 +19085,7 @@
               <a:t>3</a:t>
             </a:r>
             <a:r>
-              <a:rPr lang="zh-CN" altLang="en-US" sz="2000" dirty="0">
+              <a:rPr lang="zh-CN" altLang="en-US" sz="2400" dirty="0">
                 <a:solidFill>
                   <a:schemeClr val="bg1"/>
                 </a:solidFill>
@@ -19073,7 +19095,7 @@
               </a:rPr>
               <a:t>种类型：</a:t>
             </a:r>
-            <a:endParaRPr lang="en-US" altLang="zh-CN" sz="2000" dirty="0">
+            <a:endParaRPr lang="en-US" altLang="zh-CN" sz="2400" dirty="0">
               <a:solidFill>
                 <a:schemeClr val="bg1"/>
               </a:solidFill>
@@ -19089,7 +19111,7 @@
               </a:lnSpc>
             </a:pPr>
             <a:r>
-              <a:rPr lang="en-US" altLang="zh-CN" sz="2000" dirty="0">
+              <a:rPr lang="en-US" altLang="zh-CN" sz="2400" dirty="0">
                 <a:solidFill>
                   <a:schemeClr val="bg1"/>
                 </a:solidFill>
@@ -19100,7 +19122,7 @@
               <a:t>1.</a:t>
             </a:r>
             <a:r>
-              <a:rPr lang="zh-CN" altLang="en-US" sz="2000" dirty="0">
+              <a:rPr lang="zh-CN" altLang="en-US" sz="2400" dirty="0">
                 <a:solidFill>
                   <a:schemeClr val="bg1"/>
                 </a:solidFill>
@@ -19110,7 +19132,7 @@
               </a:rPr>
               <a:t>引入关系：</a:t>
             </a:r>
-            <a:endParaRPr lang="en-US" altLang="zh-CN" sz="2000" dirty="0">
+            <a:endParaRPr lang="en-US" altLang="zh-CN" sz="2400" dirty="0">
               <a:solidFill>
                 <a:schemeClr val="bg1"/>
               </a:solidFill>
@@ -19126,7 +19148,7 @@
               </a:lnSpc>
             </a:pPr>
             <a:r>
-              <a:rPr lang="zh-CN" altLang="en-US" sz="1600" dirty="0">
+              <a:rPr lang="zh-CN" altLang="en-US" sz="2400" dirty="0">
                 <a:solidFill>
                   <a:schemeClr val="bg1"/>
                 </a:solidFill>
@@ -19136,7 +19158,7 @@
               </a:rPr>
               <a:t>一个包中的类可以被另一个指定包中的类引用。</a:t>
             </a:r>
-            <a:endParaRPr lang="en-US" altLang="zh-CN" sz="1600" dirty="0">
+            <a:endParaRPr lang="en-US" altLang="zh-CN" sz="2400" dirty="0">
               <a:solidFill>
                 <a:schemeClr val="bg1"/>
               </a:solidFill>
@@ -19151,7 +19173,7 @@
                 <a:spcPct val="120000"/>
               </a:lnSpc>
             </a:pPr>
-            <a:endParaRPr lang="en-US" altLang="zh-CN" sz="1600" dirty="0">
+            <a:endParaRPr lang="en-US" altLang="zh-CN" sz="2400" dirty="0">
               <a:solidFill>
                 <a:schemeClr val="bg1"/>
               </a:solidFill>
@@ -19167,7 +19189,7 @@
               </a:lnSpc>
             </a:pPr>
             <a:r>
-              <a:rPr lang="zh-CN" altLang="en-US" sz="1600" dirty="0">
+              <a:rPr lang="zh-CN" altLang="en-US" sz="2400" dirty="0">
                 <a:solidFill>
                   <a:schemeClr val="bg1"/>
                 </a:solidFill>
@@ -19178,7 +19200,7 @@
               <a:t>引入关系是依赖关系中的一种，需要在依赖线上增加一个</a:t>
             </a:r>
             <a:r>
-              <a:rPr lang="en-US" altLang="zh-CN" sz="1600" dirty="0">
+              <a:rPr lang="en-US" altLang="zh-CN" sz="2400" dirty="0">
                 <a:solidFill>
                   <a:schemeClr val="bg1"/>
                 </a:solidFill>
@@ -19189,7 +19211,7 @@
               <a:t>《import》</a:t>
             </a:r>
             <a:r>
-              <a:rPr lang="zh-CN" altLang="en-US" sz="1600" dirty="0">
+              <a:rPr lang="zh-CN" altLang="en-US" sz="2400" dirty="0">
                 <a:solidFill>
                   <a:schemeClr val="bg1"/>
                 </a:solidFill>
@@ -19810,7 +19832,7 @@
         <p:spPr>
           <a:xfrm>
             <a:off x="292102" y="2769880"/>
-            <a:ext cx="6365372" cy="1101455"/>
+            <a:ext cx="6365372" cy="1827552"/>
           </a:xfrm>
           <a:prstGeom prst="rect">
             <a:avLst/>
@@ -19829,7 +19851,7 @@
               </a:lnSpc>
             </a:pPr>
             <a:r>
-              <a:rPr lang="zh-CN" altLang="en-US" sz="2000" dirty="0">
+              <a:rPr lang="zh-CN" altLang="en-US" sz="2400" dirty="0">
                 <a:solidFill>
                   <a:schemeClr val="bg1"/>
                 </a:solidFill>
@@ -19840,7 +19862,7 @@
               <a:t>       包之间的关系可以分为</a:t>
             </a:r>
             <a:r>
-              <a:rPr lang="en-US" altLang="zh-CN" sz="2000" dirty="0">
+              <a:rPr lang="en-US" altLang="zh-CN" sz="2400" dirty="0">
                 <a:solidFill>
                   <a:schemeClr val="bg1"/>
                 </a:solidFill>
@@ -19851,7 +19873,7 @@
               <a:t>3</a:t>
             </a:r>
             <a:r>
-              <a:rPr lang="zh-CN" altLang="en-US" sz="2000" dirty="0">
+              <a:rPr lang="zh-CN" altLang="en-US" sz="2400" dirty="0">
                 <a:solidFill>
                   <a:schemeClr val="bg1"/>
                 </a:solidFill>
@@ -19861,7 +19883,7 @@
               </a:rPr>
               <a:t>种类型：</a:t>
             </a:r>
-            <a:endParaRPr lang="en-US" altLang="zh-CN" sz="2000" dirty="0">
+            <a:endParaRPr lang="en-US" altLang="zh-CN" sz="2400" dirty="0">
               <a:solidFill>
                 <a:schemeClr val="bg1"/>
               </a:solidFill>
@@ -19877,7 +19899,7 @@
               </a:lnSpc>
             </a:pPr>
             <a:r>
-              <a:rPr lang="en-US" altLang="zh-CN" sz="2000" dirty="0">
+              <a:rPr lang="en-US" altLang="zh-CN" sz="2400" dirty="0">
                 <a:solidFill>
                   <a:schemeClr val="bg1"/>
                 </a:solidFill>
@@ -19888,7 +19910,7 @@
               <a:t>2.</a:t>
             </a:r>
             <a:r>
-              <a:rPr lang="zh-CN" altLang="en-US" sz="2000" dirty="0">
+              <a:rPr lang="zh-CN" altLang="en-US" sz="2400" dirty="0">
                 <a:solidFill>
                   <a:schemeClr val="bg1"/>
                 </a:solidFill>
@@ -19898,7 +19920,7 @@
               </a:rPr>
               <a:t>泛化关系：</a:t>
             </a:r>
-            <a:endParaRPr lang="en-US" altLang="zh-CN" sz="2000" dirty="0">
+            <a:endParaRPr lang="en-US" altLang="zh-CN" sz="2400" dirty="0">
               <a:solidFill>
                 <a:schemeClr val="bg1"/>
               </a:solidFill>
@@ -19914,7 +19936,7 @@
               </a:lnSpc>
             </a:pPr>
             <a:r>
-              <a:rPr lang="zh-CN" altLang="en-US" sz="1600" dirty="0">
+              <a:rPr lang="zh-CN" altLang="en-US" sz="2400" dirty="0">
                 <a:solidFill>
                   <a:schemeClr val="bg1"/>
                 </a:solidFill>
@@ -19924,7 +19946,7 @@
               </a:rPr>
               <a:t>表示一个包继承了另一个包的全部内容，同时又补充自己增加的内容。</a:t>
             </a:r>
-            <a:endParaRPr lang="en-US" altLang="zh-CN" sz="1600" dirty="0">
+            <a:endParaRPr lang="en-US" altLang="zh-CN" sz="2400" dirty="0">
               <a:solidFill>
                 <a:schemeClr val="bg1"/>
               </a:solidFill>
@@ -20543,7 +20565,7 @@
         <p:spPr>
           <a:xfrm>
             <a:off x="292102" y="2769880"/>
-            <a:ext cx="6365372" cy="1101455"/>
+            <a:ext cx="6365372" cy="1827552"/>
           </a:xfrm>
           <a:prstGeom prst="rect">
             <a:avLst/>
@@ -20562,7 +20584,7 @@
               </a:lnSpc>
             </a:pPr>
             <a:r>
-              <a:rPr lang="zh-CN" altLang="en-US" sz="2000" dirty="0">
+              <a:rPr lang="zh-CN" altLang="en-US" sz="2400" dirty="0">
                 <a:solidFill>
                   <a:schemeClr val="bg1"/>
                 </a:solidFill>
@@ -20573,7 +20595,7 @@
               <a:t>       包之间的关系可以分为</a:t>
             </a:r>
             <a:r>
-              <a:rPr lang="en-US" altLang="zh-CN" sz="2000" dirty="0">
+              <a:rPr lang="en-US" altLang="zh-CN" sz="2400" dirty="0">
                 <a:solidFill>
                   <a:schemeClr val="bg1"/>
                 </a:solidFill>
@@ -20584,7 +20606,7 @@
               <a:t>3</a:t>
             </a:r>
             <a:r>
-              <a:rPr lang="zh-CN" altLang="en-US" sz="2000" dirty="0">
+              <a:rPr lang="zh-CN" altLang="en-US" sz="2400" dirty="0">
                 <a:solidFill>
                   <a:schemeClr val="bg1"/>
                 </a:solidFill>
@@ -20594,7 +20616,7 @@
               </a:rPr>
               <a:t>种类型：</a:t>
             </a:r>
-            <a:endParaRPr lang="en-US" altLang="zh-CN" sz="2000" dirty="0">
+            <a:endParaRPr lang="en-US" altLang="zh-CN" sz="2400" dirty="0">
               <a:solidFill>
                 <a:schemeClr val="bg1"/>
               </a:solidFill>
@@ -20610,7 +20632,7 @@
               </a:lnSpc>
             </a:pPr>
             <a:r>
-              <a:rPr lang="en-US" altLang="zh-CN" sz="2000" dirty="0">
+              <a:rPr lang="en-US" altLang="zh-CN" sz="2400" dirty="0">
                 <a:solidFill>
                   <a:schemeClr val="bg1"/>
                 </a:solidFill>
@@ -20621,7 +20643,7 @@
               <a:t>3.</a:t>
             </a:r>
             <a:r>
-              <a:rPr lang="zh-CN" altLang="en-US" sz="2000" dirty="0">
+              <a:rPr lang="zh-CN" altLang="en-US" sz="2400" dirty="0">
                 <a:solidFill>
                   <a:schemeClr val="bg1"/>
                 </a:solidFill>
@@ -20631,7 +20653,7 @@
               </a:rPr>
               <a:t>嵌套关系：</a:t>
             </a:r>
-            <a:endParaRPr lang="en-US" altLang="zh-CN" sz="2000" dirty="0">
+            <a:endParaRPr lang="en-US" altLang="zh-CN" sz="2400" dirty="0">
               <a:solidFill>
                 <a:schemeClr val="bg1"/>
               </a:solidFill>
@@ -20647,7 +20669,7 @@
               </a:lnSpc>
             </a:pPr>
             <a:r>
-              <a:rPr lang="zh-CN" altLang="en-US" sz="1600" dirty="0">
+              <a:rPr lang="zh-CN" altLang="en-US" sz="2400" dirty="0">
                 <a:solidFill>
                   <a:schemeClr val="bg1"/>
                 </a:solidFill>
@@ -20657,7 +20679,7 @@
               </a:rPr>
               <a:t>一个包中可以包含若干个子包，构成包的嵌套层次结构。</a:t>
             </a:r>
-            <a:endParaRPr lang="en-US" altLang="zh-CN" sz="1600" dirty="0">
+            <a:endParaRPr lang="en-US" altLang="zh-CN" sz="2400" dirty="0">
               <a:solidFill>
                 <a:schemeClr val="bg1"/>
               </a:solidFill>
@@ -26260,8 +26282,8 @@
         </p:nvSpPr>
         <p:spPr>
           <a:xfrm>
-            <a:off x="1868177" y="1544150"/>
-            <a:ext cx="8799823" cy="1200329"/>
+            <a:off x="2838725" y="2266045"/>
+            <a:ext cx="8799823" cy="1938992"/>
           </a:xfrm>
           <a:prstGeom prst="rect">
             <a:avLst/>
@@ -26276,20 +26298,20 @@
           <a:p>
             <a:pPr lvl="0"/>
             <a:r>
-              <a:rPr lang="en-US" altLang="zh-CN" sz="2400" b="1" dirty="0">
+              <a:rPr lang="en-US" altLang="zh-CN" sz="4000" b="1" dirty="0">
                 <a:latin typeface="造字工房悦黑（非商用）常规体"/>
                 <a:ea typeface="方正兰亭黑简体" pitchFamily="2" charset="-122"/>
               </a:rPr>
               <a:t>1.</a:t>
             </a:r>
             <a:r>
-              <a:rPr lang="zh-CN" altLang="en-US" sz="2400" b="1" dirty="0">
+              <a:rPr lang="zh-CN" altLang="en-US" sz="4000" b="1" dirty="0">
                 <a:latin typeface="造字工房悦黑（非商用）常规体"/>
                 <a:ea typeface="方正兰亭黑简体" pitchFamily="2" charset="-122"/>
               </a:rPr>
               <a:t>组件</a:t>
             </a:r>
-            <a:endParaRPr lang="en-US" altLang="zh-CN" sz="2400" b="1" dirty="0">
+            <a:endParaRPr lang="en-US" altLang="zh-CN" sz="4000" b="1" dirty="0">
               <a:latin typeface="造字工房悦黑（非商用）常规体"/>
               <a:ea typeface="方正兰亭黑简体" pitchFamily="2" charset="-122"/>
             </a:endParaRPr>
@@ -26297,7 +26319,7 @@
           <a:p>
             <a:pPr lvl="0"/>
             <a:r>
-              <a:rPr lang="en-US" altLang="zh-CN" sz="2400" b="1" dirty="0">
+              <a:rPr lang="en-US" altLang="zh-CN" sz="4000" b="1" dirty="0">
                 <a:solidFill>
                   <a:prstClr val="black"/>
                 </a:solidFill>
@@ -26307,7 +26329,7 @@
               <a:t>2.</a:t>
             </a:r>
             <a:r>
-              <a:rPr lang="zh-CN" altLang="en-US" sz="2400" b="1" dirty="0">
+              <a:rPr lang="zh-CN" altLang="en-US" sz="4000" b="1" dirty="0">
                 <a:solidFill>
                   <a:prstClr val="black"/>
                 </a:solidFill>
@@ -26316,7 +26338,7 @@
               </a:rPr>
               <a:t>接口</a:t>
             </a:r>
-            <a:endParaRPr lang="en-US" altLang="zh-CN" sz="2400" b="1" dirty="0">
+            <a:endParaRPr lang="en-US" altLang="zh-CN" sz="4000" b="1" dirty="0">
               <a:solidFill>
                 <a:prstClr val="black"/>
               </a:solidFill>
@@ -26327,7 +26349,7 @@
           <a:p>
             <a:pPr lvl="0"/>
             <a:r>
-              <a:rPr lang="en-US" altLang="zh-CN" sz="2400" b="1" dirty="0">
+              <a:rPr lang="en-US" altLang="zh-CN" sz="4000" b="1" dirty="0">
                 <a:solidFill>
                   <a:prstClr val="black"/>
                 </a:solidFill>
@@ -26337,7 +26359,7 @@
               <a:t>3.</a:t>
             </a:r>
             <a:r>
-              <a:rPr lang="zh-CN" altLang="en-US" sz="2400" b="1" dirty="0">
+              <a:rPr lang="zh-CN" altLang="en-US" sz="4000" b="1" dirty="0">
                 <a:solidFill>
                   <a:prstClr val="black"/>
                 </a:solidFill>
@@ -27448,7 +27470,7 @@
         <p:spPr>
           <a:xfrm>
             <a:off x="3048000" y="1420940"/>
-            <a:ext cx="6096000" cy="728982"/>
+            <a:ext cx="6096000" cy="1384353"/>
           </a:xfrm>
           <a:prstGeom prst="rect">
             <a:avLst/>
@@ -27466,7 +27488,7 @@
               </a:lnSpc>
             </a:pPr>
             <a:r>
-              <a:rPr lang="en-US" altLang="zh-CN" dirty="0">
+              <a:rPr lang="en-US" altLang="zh-CN" sz="2400" dirty="0">
                 <a:latin typeface="方正兰亭黑简体" pitchFamily="2" charset="-122"/>
                 <a:ea typeface="造字工房悦黑（非商用）常规体"/>
                 <a:sym typeface="+mn-ea"/>
@@ -27474,14 +27496,14 @@
               <a:t>1.</a:t>
             </a:r>
             <a:r>
-              <a:rPr lang="zh-CN" altLang="en-US" dirty="0">
+              <a:rPr lang="zh-CN" altLang="en-US" sz="2400" dirty="0">
                 <a:latin typeface="方正兰亭黑简体" pitchFamily="2" charset="-122"/>
                 <a:ea typeface="造字工房悦黑（非商用）常规体"/>
                 <a:sym typeface="+mn-ea"/>
               </a:rPr>
               <a:t>引入关系：</a:t>
             </a:r>
-            <a:endParaRPr lang="en-US" altLang="zh-CN" dirty="0">
+            <a:endParaRPr lang="en-US" altLang="zh-CN" sz="2400" dirty="0">
               <a:latin typeface="方正兰亭黑简体" pitchFamily="2" charset="-122"/>
               <a:ea typeface="造字工房悦黑（非商用）常规体"/>
               <a:sym typeface="+mn-ea"/>
@@ -27494,14 +27516,14 @@
               </a:lnSpc>
             </a:pPr>
             <a:r>
-              <a:rPr lang="zh-CN" altLang="en-US" dirty="0">
+              <a:rPr lang="zh-CN" altLang="en-US" sz="2400" dirty="0">
                 <a:latin typeface="方正兰亭黑简体" pitchFamily="2" charset="-122"/>
                 <a:ea typeface="方正兰亭黑简体" pitchFamily="2" charset="-122"/>
                 <a:sym typeface="+mn-ea"/>
               </a:rPr>
               <a:t>一个包中的类可以被另一个指定包中的类引用。</a:t>
             </a:r>
-            <a:endParaRPr lang="en-US" altLang="zh-CN" dirty="0">
+            <a:endParaRPr lang="en-US" altLang="zh-CN" sz="2400" dirty="0">
               <a:latin typeface="方正兰亭黑简体" pitchFamily="2" charset="-122"/>
               <a:ea typeface="方正兰亭黑简体" pitchFamily="2" charset="-122"/>
               <a:sym typeface="+mn-ea"/>
@@ -27524,7 +27546,7 @@
         <p:spPr>
           <a:xfrm>
             <a:off x="3048000" y="2842910"/>
-            <a:ext cx="6096000" cy="1061381"/>
+            <a:ext cx="6096000" cy="1384353"/>
           </a:xfrm>
           <a:prstGeom prst="rect">
             <a:avLst/>
@@ -27542,7 +27564,7 @@
               </a:lnSpc>
             </a:pPr>
             <a:r>
-              <a:rPr lang="en-US" altLang="zh-CN" dirty="0">
+              <a:rPr lang="en-US" altLang="zh-CN" sz="2400" dirty="0">
                 <a:latin typeface="方正兰亭黑简体" pitchFamily="2" charset="-122"/>
                 <a:ea typeface="造字工房悦黑（非商用）常规体"/>
                 <a:sym typeface="+mn-ea"/>
@@ -27550,14 +27572,14 @@
               <a:t>2.</a:t>
             </a:r>
             <a:r>
-              <a:rPr lang="zh-CN" altLang="en-US" dirty="0">
+              <a:rPr lang="zh-CN" altLang="en-US" sz="2400" dirty="0">
                 <a:latin typeface="方正兰亭黑简体" pitchFamily="2" charset="-122"/>
                 <a:ea typeface="造字工房悦黑（非商用）常规体"/>
                 <a:sym typeface="+mn-ea"/>
               </a:rPr>
               <a:t>泛化关系：</a:t>
             </a:r>
-            <a:endParaRPr lang="en-US" altLang="zh-CN" dirty="0">
+            <a:endParaRPr lang="en-US" altLang="zh-CN" sz="2400" dirty="0">
               <a:latin typeface="方正兰亭黑简体" pitchFamily="2" charset="-122"/>
               <a:ea typeface="造字工房悦黑（非商用）常规体"/>
               <a:sym typeface="+mn-ea"/>
@@ -27570,14 +27592,14 @@
               </a:lnSpc>
             </a:pPr>
             <a:r>
-              <a:rPr lang="zh-CN" altLang="en-US" dirty="0">
+              <a:rPr lang="zh-CN" altLang="en-US" sz="2400" dirty="0">
                 <a:latin typeface="方正兰亭黑简体" pitchFamily="2" charset="-122"/>
                 <a:ea typeface="方正兰亭黑简体" pitchFamily="2" charset="-122"/>
                 <a:sym typeface="+mn-ea"/>
               </a:rPr>
               <a:t>表示一个包继承了另一个包的全部内容，同时又补充自己增加的内容。</a:t>
             </a:r>
-            <a:endParaRPr lang="en-US" altLang="zh-CN" dirty="0">
+            <a:endParaRPr lang="en-US" altLang="zh-CN" sz="2400" dirty="0">
               <a:latin typeface="方正兰亭黑简体" pitchFamily="2" charset="-122"/>
               <a:ea typeface="方正兰亭黑简体" pitchFamily="2" charset="-122"/>
               <a:sym typeface="+mn-ea"/>
@@ -27600,7 +27622,7 @@
         <p:spPr>
           <a:xfrm>
             <a:off x="3048000" y="4509046"/>
-            <a:ext cx="6096000" cy="728982"/>
+            <a:ext cx="6096000" cy="1384353"/>
           </a:xfrm>
           <a:prstGeom prst="rect">
             <a:avLst/>
@@ -27618,7 +27640,7 @@
               </a:lnSpc>
             </a:pPr>
             <a:r>
-              <a:rPr lang="en-US" altLang="zh-CN" dirty="0">
+              <a:rPr lang="en-US" altLang="zh-CN" sz="2400" dirty="0">
                 <a:latin typeface="方正兰亭黑简体" pitchFamily="2" charset="-122"/>
                 <a:ea typeface="造字工房悦黑（非商用）常规体"/>
                 <a:sym typeface="+mn-ea"/>
@@ -27626,14 +27648,14 @@
               <a:t>3.</a:t>
             </a:r>
             <a:r>
-              <a:rPr lang="zh-CN" altLang="en-US" dirty="0">
+              <a:rPr lang="zh-CN" altLang="en-US" sz="2400" dirty="0">
                 <a:latin typeface="方正兰亭黑简体" pitchFamily="2" charset="-122"/>
                 <a:ea typeface="造字工房悦黑（非商用）常规体"/>
                 <a:sym typeface="+mn-ea"/>
               </a:rPr>
               <a:t>嵌套关系：</a:t>
             </a:r>
-            <a:endParaRPr lang="en-US" altLang="zh-CN" dirty="0">
+            <a:endParaRPr lang="en-US" altLang="zh-CN" sz="2400" dirty="0">
               <a:latin typeface="方正兰亭黑简体" pitchFamily="2" charset="-122"/>
               <a:ea typeface="造字工房悦黑（非商用）常规体"/>
               <a:sym typeface="+mn-ea"/>
@@ -27646,14 +27668,14 @@
               </a:lnSpc>
             </a:pPr>
             <a:r>
-              <a:rPr lang="zh-CN" altLang="en-US" dirty="0">
+              <a:rPr lang="zh-CN" altLang="en-US" sz="2400" dirty="0">
                 <a:latin typeface="方正兰亭黑简体" pitchFamily="2" charset="-122"/>
                 <a:ea typeface="方正兰亭黑简体" pitchFamily="2" charset="-122"/>
                 <a:sym typeface="+mn-ea"/>
               </a:rPr>
               <a:t>一个包中可以包含若干个子包，构成包的嵌套层次结构。</a:t>
             </a:r>
-            <a:endParaRPr lang="en-US" altLang="zh-CN" dirty="0">
+            <a:endParaRPr lang="en-US" altLang="zh-CN" sz="2400" dirty="0">
               <a:latin typeface="方正兰亭黑简体" pitchFamily="2" charset="-122"/>
               <a:ea typeface="方正兰亭黑简体" pitchFamily="2" charset="-122"/>
               <a:sym typeface="+mn-ea"/>
